--- a/note/sql_query.pptx
+++ b/note/sql_query.pptx
@@ -13,6 +13,7 @@
     <p:sldId id="263" r:id="rId7"/>
     <p:sldId id="264" r:id="rId8"/>
     <p:sldId id="265" r:id="rId9"/>
+    <p:sldId id="266" r:id="rId10"/>
   </p:sldIdLst>
   <p:sldSz cx="12192000" cy="6858000"/>
   <p:notesSz cx="6858000" cy="9144000"/>
@@ -6722,6 +6723,418 @@
 </p:sld>
 </file>
 
+<file path=ppt/slides/slide9.xml><?xml version="1.0" encoding="utf-8"?>
+<p:sld xmlns:a="http://schemas.openxmlformats.org/drawingml/2006/main" xmlns:r="http://schemas.openxmlformats.org/officeDocument/2006/relationships" xmlns:p="http://schemas.openxmlformats.org/presentationml/2006/main">
+  <p:cSld>
+    <p:spTree>
+      <p:nvGrpSpPr>
+        <p:cNvPr id="1" name=""/>
+        <p:cNvGrpSpPr/>
+        <p:nvPr/>
+      </p:nvGrpSpPr>
+      <p:grpSpPr>
+        <a:xfrm>
+          <a:off x="0" y="0"/>
+          <a:ext cx="0" cy="0"/>
+          <a:chOff x="0" y="0"/>
+          <a:chExt cx="0" cy="0"/>
+        </a:xfrm>
+      </p:grpSpPr>
+      <p:sp>
+        <p:nvSpPr>
+          <p:cNvPr id="2" name="Rectangle: Rounded Corners 1">
+            <a:extLst>
+              <a:ext uri="{FF2B5EF4-FFF2-40B4-BE49-F238E27FC236}">
+                <a16:creationId xmlns:a16="http://schemas.microsoft.com/office/drawing/2014/main" id="{AF4FE48A-E676-B468-FCA8-520BE0A73F39}"/>
+              </a:ext>
+            </a:extLst>
+          </p:cNvPr>
+          <p:cNvSpPr/>
+          <p:nvPr/>
+        </p:nvSpPr>
+        <p:spPr>
+          <a:xfrm>
+            <a:off x="578224" y="376519"/>
+            <a:ext cx="3469341" cy="1048870"/>
+          </a:xfrm>
+          <a:prstGeom prst="roundRect">
+            <a:avLst/>
+          </a:prstGeom>
+          <a:solidFill>
+            <a:schemeClr val="accent2"/>
+          </a:solidFill>
+        </p:spPr>
+        <p:style>
+          <a:lnRef idx="2">
+            <a:schemeClr val="accent6"/>
+          </a:lnRef>
+          <a:fillRef idx="1">
+            <a:schemeClr val="lt1"/>
+          </a:fillRef>
+          <a:effectRef idx="0">
+            <a:schemeClr val="accent6"/>
+          </a:effectRef>
+          <a:fontRef idx="minor">
+            <a:schemeClr val="dk1"/>
+          </a:fontRef>
+        </p:style>
+        <p:txBody>
+          <a:bodyPr rtlCol="0" anchor="ctr"/>
+          <a:lstStyle/>
+          <a:p>
+            <a:pPr algn="ctr"/>
+            <a:r>
+              <a:rPr lang="en-US" dirty="0"/>
+              <a:t>What are joined in SQL? </a:t>
+            </a:r>
+          </a:p>
+        </p:txBody>
+      </p:sp>
+      <p:sp>
+        <p:nvSpPr>
+          <p:cNvPr id="3" name="Oval 2">
+            <a:extLst>
+              <a:ext uri="{FF2B5EF4-FFF2-40B4-BE49-F238E27FC236}">
+                <a16:creationId xmlns:a16="http://schemas.microsoft.com/office/drawing/2014/main" id="{3A8C8C28-2954-CBF3-CFF9-3C6D6092E671}"/>
+              </a:ext>
+            </a:extLst>
+          </p:cNvPr>
+          <p:cNvSpPr/>
+          <p:nvPr/>
+        </p:nvSpPr>
+        <p:spPr>
+          <a:xfrm>
+            <a:off x="4558553" y="2057400"/>
+            <a:ext cx="2232212" cy="1976718"/>
+          </a:xfrm>
+          <a:prstGeom prst="ellipse">
+            <a:avLst/>
+          </a:prstGeom>
+        </p:spPr>
+        <p:style>
+          <a:lnRef idx="2">
+            <a:schemeClr val="accent1">
+              <a:shade val="50000"/>
+            </a:schemeClr>
+          </a:lnRef>
+          <a:fillRef idx="1">
+            <a:schemeClr val="accent1"/>
+          </a:fillRef>
+          <a:effectRef idx="0">
+            <a:schemeClr val="accent1"/>
+          </a:effectRef>
+          <a:fontRef idx="minor">
+            <a:schemeClr val="lt1"/>
+          </a:fontRef>
+        </p:style>
+        <p:txBody>
+          <a:bodyPr rtlCol="0" anchor="ctr"/>
+          <a:lstStyle/>
+          <a:p>
+            <a:pPr algn="ctr"/>
+            <a:r>
+              <a:rPr lang="en-US" sz="7200" dirty="0"/>
+              <a:t>A</a:t>
+            </a:r>
+          </a:p>
+        </p:txBody>
+      </p:sp>
+      <p:sp>
+        <p:nvSpPr>
+          <p:cNvPr id="4" name="Oval 3">
+            <a:extLst>
+              <a:ext uri="{FF2B5EF4-FFF2-40B4-BE49-F238E27FC236}">
+                <a16:creationId xmlns:a16="http://schemas.microsoft.com/office/drawing/2014/main" id="{C46F4471-4149-7F7A-57B9-A45C8257711E}"/>
+              </a:ext>
+            </a:extLst>
+          </p:cNvPr>
+          <p:cNvSpPr/>
+          <p:nvPr/>
+        </p:nvSpPr>
+        <p:spPr>
+          <a:xfrm>
+            <a:off x="6096000" y="2286000"/>
+            <a:ext cx="1676400" cy="1748118"/>
+          </a:xfrm>
+          <a:prstGeom prst="ellipse">
+            <a:avLst/>
+          </a:prstGeom>
+        </p:spPr>
+        <p:style>
+          <a:lnRef idx="1">
+            <a:schemeClr val="dk1"/>
+          </a:lnRef>
+          <a:fillRef idx="2">
+            <a:schemeClr val="dk1"/>
+          </a:fillRef>
+          <a:effectRef idx="1">
+            <a:schemeClr val="dk1"/>
+          </a:effectRef>
+          <a:fontRef idx="minor">
+            <a:schemeClr val="dk1"/>
+          </a:fontRef>
+        </p:style>
+        <p:txBody>
+          <a:bodyPr rtlCol="0" anchor="ctr"/>
+          <a:lstStyle/>
+          <a:p>
+            <a:pPr algn="ctr"/>
+            <a:r>
+              <a:rPr lang="en-US" sz="7200" dirty="0"/>
+              <a:t>B</a:t>
+            </a:r>
+          </a:p>
+        </p:txBody>
+      </p:sp>
+      <p:sp>
+        <p:nvSpPr>
+          <p:cNvPr id="5" name="Rectangle: Rounded Corners 4">
+            <a:extLst>
+              <a:ext uri="{FF2B5EF4-FFF2-40B4-BE49-F238E27FC236}">
+                <a16:creationId xmlns:a16="http://schemas.microsoft.com/office/drawing/2014/main" id="{C9414E4B-4587-7A18-59F6-C6CD2117F645}"/>
+              </a:ext>
+            </a:extLst>
+          </p:cNvPr>
+          <p:cNvSpPr/>
+          <p:nvPr/>
+        </p:nvSpPr>
+        <p:spPr>
+          <a:xfrm>
+            <a:off x="578224" y="2583543"/>
+            <a:ext cx="3980329" cy="4064000"/>
+          </a:xfrm>
+          <a:prstGeom prst="roundRect">
+            <a:avLst/>
+          </a:prstGeom>
+        </p:spPr>
+        <p:style>
+          <a:lnRef idx="2">
+            <a:schemeClr val="accent6"/>
+          </a:lnRef>
+          <a:fillRef idx="1">
+            <a:schemeClr val="lt1"/>
+          </a:fillRef>
+          <a:effectRef idx="0">
+            <a:schemeClr val="accent6"/>
+          </a:effectRef>
+          <a:fontRef idx="minor">
+            <a:schemeClr val="dk1"/>
+          </a:fontRef>
+        </p:style>
+        <p:txBody>
+          <a:bodyPr rtlCol="0" anchor="ctr"/>
+          <a:lstStyle/>
+          <a:p>
+            <a:pPr algn="just"/>
+            <a:r>
+              <a:rPr lang="en-US" sz="2400" dirty="0"/>
+              <a:t>SQL JOIN statement is used to combine rows of data from two or more tables based on a common column (field) between them</a:t>
+            </a:r>
+          </a:p>
+        </p:txBody>
+      </p:sp>
+      <p:sp>
+        <p:nvSpPr>
+          <p:cNvPr id="6" name="TextBox 5">
+            <a:extLst>
+              <a:ext uri="{FF2B5EF4-FFF2-40B4-BE49-F238E27FC236}">
+                <a16:creationId xmlns:a16="http://schemas.microsoft.com/office/drawing/2014/main" id="{57CCB880-30F2-E2E0-C01A-07F5103525C8}"/>
+              </a:ext>
+            </a:extLst>
+          </p:cNvPr>
+          <p:cNvSpPr txBox="1"/>
+          <p:nvPr/>
+        </p:nvSpPr>
+        <p:spPr>
+          <a:xfrm>
+            <a:off x="8374743" y="1045029"/>
+            <a:ext cx="2232212" cy="2031325"/>
+          </a:xfrm>
+          <a:prstGeom prst="rect">
+            <a:avLst/>
+          </a:prstGeom>
+          <a:noFill/>
+        </p:spPr>
+        <p:txBody>
+          <a:bodyPr wrap="square" rtlCol="0">
+            <a:spAutoFit/>
+          </a:bodyPr>
+          <a:lstStyle/>
+          <a:p>
+            <a:r>
+              <a:rPr lang="en-US" dirty="0"/>
+              <a:t>Orders </a:t>
+            </a:r>
+          </a:p>
+          <a:p>
+            <a:pPr marL="285750" indent="-285750">
+              <a:buFont typeface="Arial" panose="020B0604020202020204" pitchFamily="34" charset="0"/>
+              <a:buChar char="•"/>
+            </a:pPr>
+            <a:r>
+              <a:rPr lang="en-US" dirty="0" err="1"/>
+              <a:t>order_id</a:t>
+            </a:r>
+            <a:endParaRPr lang="en-US" dirty="0"/>
+          </a:p>
+          <a:p>
+            <a:pPr marL="285750" indent="-285750">
+              <a:buFont typeface="Arial" panose="020B0604020202020204" pitchFamily="34" charset="0"/>
+              <a:buChar char="•"/>
+            </a:pPr>
+            <a:r>
+              <a:rPr lang="en-US" dirty="0" err="1"/>
+              <a:t>Order_date</a:t>
+            </a:r>
+            <a:endParaRPr lang="en-US" dirty="0"/>
+          </a:p>
+          <a:p>
+            <a:pPr marL="285750" indent="-285750">
+              <a:buFont typeface="Arial" panose="020B0604020202020204" pitchFamily="34" charset="0"/>
+              <a:buChar char="•"/>
+            </a:pPr>
+            <a:r>
+              <a:rPr lang="en-US" dirty="0" err="1"/>
+              <a:t>Shipped_date</a:t>
+            </a:r>
+            <a:endParaRPr lang="en-US" dirty="0"/>
+          </a:p>
+          <a:p>
+            <a:pPr marL="285750" indent="-285750">
+              <a:buFont typeface="Arial" panose="020B0604020202020204" pitchFamily="34" charset="0"/>
+              <a:buChar char="•"/>
+            </a:pPr>
+            <a:r>
+              <a:rPr lang="en-US" dirty="0" err="1"/>
+              <a:t>Status_of_delivery</a:t>
+            </a:r>
+            <a:endParaRPr lang="en-US" dirty="0"/>
+          </a:p>
+          <a:p>
+            <a:pPr marL="285750" indent="-285750">
+              <a:buFont typeface="Arial" panose="020B0604020202020204" pitchFamily="34" charset="0"/>
+              <a:buChar char="•"/>
+            </a:pPr>
+            <a:r>
+              <a:rPr lang="en-US" dirty="0"/>
+              <a:t>Quantity</a:t>
+            </a:r>
+          </a:p>
+          <a:p>
+            <a:pPr marL="285750" indent="-285750">
+              <a:buFont typeface="Arial" panose="020B0604020202020204" pitchFamily="34" charset="0"/>
+              <a:buChar char="•"/>
+            </a:pPr>
+            <a:r>
+              <a:rPr lang="en-US" dirty="0" err="1"/>
+              <a:t>Price_of_product</a:t>
+            </a:r>
+            <a:endParaRPr lang="en-US" dirty="0"/>
+          </a:p>
+        </p:txBody>
+      </p:sp>
+      <p:sp>
+        <p:nvSpPr>
+          <p:cNvPr id="7" name="TextBox 6">
+            <a:extLst>
+              <a:ext uri="{FF2B5EF4-FFF2-40B4-BE49-F238E27FC236}">
+                <a16:creationId xmlns:a16="http://schemas.microsoft.com/office/drawing/2014/main" id="{F99B1A7A-8056-816C-B4FD-C9540F4838A8}"/>
+              </a:ext>
+            </a:extLst>
+          </p:cNvPr>
+          <p:cNvSpPr txBox="1"/>
+          <p:nvPr/>
+        </p:nvSpPr>
+        <p:spPr>
+          <a:xfrm>
+            <a:off x="8650514" y="4034118"/>
+            <a:ext cx="1799772" cy="2031325"/>
+          </a:xfrm>
+          <a:prstGeom prst="rect">
+            <a:avLst/>
+          </a:prstGeom>
+          <a:noFill/>
+        </p:spPr>
+        <p:txBody>
+          <a:bodyPr wrap="square" rtlCol="0">
+            <a:spAutoFit/>
+          </a:bodyPr>
+          <a:lstStyle/>
+          <a:p>
+            <a:r>
+              <a:rPr lang="en-US" dirty="0"/>
+              <a:t>Customers </a:t>
+            </a:r>
+          </a:p>
+          <a:p>
+            <a:pPr marL="285750" indent="-285750">
+              <a:buFont typeface="Arial" panose="020B0604020202020204" pitchFamily="34" charset="0"/>
+              <a:buChar char="•"/>
+            </a:pPr>
+            <a:r>
+              <a:rPr lang="en-US" dirty="0" err="1"/>
+              <a:t>order_id</a:t>
+            </a:r>
+            <a:endParaRPr lang="en-US" dirty="0"/>
+          </a:p>
+          <a:p>
+            <a:pPr marL="285750" indent="-285750">
+              <a:buFont typeface="Arial" panose="020B0604020202020204" pitchFamily="34" charset="0"/>
+              <a:buChar char="•"/>
+            </a:pPr>
+            <a:r>
+              <a:rPr lang="en-US" dirty="0" err="1"/>
+              <a:t>customer_id</a:t>
+            </a:r>
+            <a:endParaRPr lang="en-US" dirty="0"/>
+          </a:p>
+          <a:p>
+            <a:pPr marL="285750" indent="-285750">
+              <a:buFont typeface="Arial" panose="020B0604020202020204" pitchFamily="34" charset="0"/>
+              <a:buChar char="•"/>
+            </a:pPr>
+            <a:r>
+              <a:rPr lang="en-US" dirty="0" err="1"/>
+              <a:t>Phone_no</a:t>
+            </a:r>
+            <a:endParaRPr lang="en-US" dirty="0"/>
+          </a:p>
+          <a:p>
+            <a:pPr marL="285750" indent="-285750">
+              <a:buFont typeface="Arial" panose="020B0604020202020204" pitchFamily="34" charset="0"/>
+              <a:buChar char="•"/>
+            </a:pPr>
+            <a:r>
+              <a:rPr lang="en-US" dirty="0" err="1"/>
+              <a:t>Customer_name</a:t>
+            </a:r>
+            <a:endParaRPr lang="en-US" dirty="0"/>
+          </a:p>
+          <a:p>
+            <a:pPr marL="285750" indent="-285750">
+              <a:buFont typeface="Arial" panose="020B0604020202020204" pitchFamily="34" charset="0"/>
+              <a:buChar char="•"/>
+            </a:pPr>
+            <a:r>
+              <a:rPr lang="en-US" dirty="0"/>
+              <a:t>address</a:t>
+            </a:r>
+          </a:p>
+        </p:txBody>
+      </p:sp>
+    </p:spTree>
+    <p:extLst>
+      <p:ext uri="{BB962C8B-B14F-4D97-AF65-F5344CB8AC3E}">
+        <p14:creationId xmlns:p14="http://schemas.microsoft.com/office/powerpoint/2010/main" val="72240664"/>
+      </p:ext>
+    </p:extLst>
+  </p:cSld>
+  <p:clrMapOvr>
+    <a:masterClrMapping/>
+  </p:clrMapOvr>
+</p:sld>
+</file>
+
 <file path=ppt/theme/theme1.xml><?xml version="1.0" encoding="utf-8"?>
 <a:theme xmlns:a="http://schemas.openxmlformats.org/drawingml/2006/main" name="Office Theme">
   <a:themeElements>
